--- a/Git/GIT.pptx
+++ b/Git/GIT.pptx
@@ -6,7 +6,7 @@
     <p:sldMasterId id="2147483661" r:id="rId2"/>
   </p:sldMasterIdLst>
   <p:notesMasterIdLst>
-    <p:notesMasterId r:id="rId26"/>
+    <p:notesMasterId r:id="rId27"/>
   </p:notesMasterIdLst>
   <p:sldIdLst>
     <p:sldId id="256" r:id="rId3"/>
@@ -31,15 +31,16 @@
     <p:sldId id="285" r:id="rId22"/>
     <p:sldId id="290" r:id="rId23"/>
     <p:sldId id="291" r:id="rId24"/>
-    <p:sldId id="294" r:id="rId25"/>
+    <p:sldId id="296" r:id="rId25"/>
+    <p:sldId id="294" r:id="rId26"/>
   </p:sldIdLst>
   <p:sldSz cx="9144000" cy="5143500" type="screen16x9"/>
   <p:notesSz cx="6858000" cy="9144000"/>
   <p:embeddedFontLst>
     <p:embeddedFont>
       <p:font typeface="Source Code Pro" charset="0"/>
-      <p:regular r:id="rId27"/>
-      <p:bold r:id="rId28"/>
+      <p:regular r:id="rId28"/>
+      <p:bold r:id="rId29"/>
     </p:embeddedFont>
   </p:embeddedFontLst>
   <p:defaultTextStyle>
@@ -8433,16 +8434,7 @@
                 </a:solidFill>
                 <a:hlinkClick r:id="rId3"/>
               </a:rPr>
-              <a:t> </a:t>
-            </a:r>
-            <a:r>
-              <a:rPr lang="es-ES" u="sng" dirty="0" err="1" smtClean="0">
-                <a:solidFill>
-                  <a:schemeClr val="hlink"/>
-                </a:solidFill>
-                <a:hlinkClick r:id="rId3"/>
-              </a:rPr>
-              <a:t>Git</a:t>
+              <a:t> Git</a:t>
             </a:r>
             <a:endParaRPr lang="es" u="sng" dirty="0" smtClean="0">
               <a:solidFill>
@@ -8530,7 +8522,7 @@
               </a:spcBef>
             </a:pPr>
             <a:r>
-              <a:rPr lang="es-ES" u="sng" dirty="0" err="1" smtClean="0">
+              <a:rPr lang="es-ES" u="sng" dirty="0" smtClean="0">
                 <a:solidFill>
                   <a:schemeClr val="hlink"/>
                 </a:solidFill>
@@ -10653,6 +10645,183 @@
 </file>
 
 <file path=ppt/slides/slide23.xml><?xml version="1.0" encoding="utf-8"?>
+<p:sld xmlns:a="http://schemas.openxmlformats.org/drawingml/2006/main" xmlns:r="http://schemas.openxmlformats.org/officeDocument/2006/relationships" xmlns:p="http://schemas.openxmlformats.org/presentationml/2006/main">
+  <p:cSld>
+    <p:spTree>
+      <p:nvGrpSpPr>
+        <p:cNvPr id="1" name=""/>
+        <p:cNvGrpSpPr/>
+        <p:nvPr/>
+      </p:nvGrpSpPr>
+      <p:grpSpPr>
+        <a:xfrm>
+          <a:off x="0" y="0"/>
+          <a:ext cx="0" cy="0"/>
+          <a:chOff x="0" y="0"/>
+          <a:chExt cx="0" cy="0"/>
+        </a:xfrm>
+      </p:grpSpPr>
+      <p:sp>
+        <p:nvSpPr>
+          <p:cNvPr id="2" name="1 Título"/>
+          <p:cNvSpPr>
+            <a:spLocks noGrp="1"/>
+          </p:cNvSpPr>
+          <p:nvPr>
+            <p:ph type="title"/>
+          </p:nvPr>
+        </p:nvSpPr>
+        <p:spPr/>
+        <p:txBody>
+          <a:bodyPr/>
+          <a:lstStyle/>
+          <a:p>
+            <a:r>
+              <a:rPr lang="es-ES" dirty="0" smtClean="0"/>
+              <a:t>.git y .gitignore</a:t>
+            </a:r>
+            <a:endParaRPr lang="es-ES" dirty="0"/>
+          </a:p>
+        </p:txBody>
+      </p:sp>
+      <p:sp>
+        <p:nvSpPr>
+          <p:cNvPr id="3" name="2 Marcador de texto"/>
+          <p:cNvSpPr>
+            <a:spLocks noGrp="1"/>
+          </p:cNvSpPr>
+          <p:nvPr>
+            <p:ph type="body" idx="1"/>
+          </p:nvPr>
+        </p:nvSpPr>
+        <p:spPr/>
+        <p:txBody>
+          <a:bodyPr/>
+          <a:lstStyle/>
+          <a:p>
+            <a:r>
+              <a:rPr lang="es-ES" dirty="0" smtClean="0">
+                <a:solidFill>
+                  <a:srgbClr val="FF0000"/>
+                </a:solidFill>
+              </a:rPr>
+              <a:t>.git </a:t>
+            </a:r>
+            <a:r>
+              <a:rPr lang="es-ES" dirty="0" smtClean="0"/>
+              <a:t>es una carpeta oculta que contiene todos los archivos necesarios para git.</a:t>
+            </a:r>
+          </a:p>
+          <a:p>
+            <a:r>
+              <a:rPr lang="es-ES" dirty="0" smtClean="0">
+                <a:solidFill>
+                  <a:srgbClr val="FF0000"/>
+                </a:solidFill>
+              </a:rPr>
+              <a:t>.gitignore</a:t>
+            </a:r>
+            <a:r>
+              <a:rPr lang="es-ES" dirty="0" smtClean="0">
+                <a:solidFill>
+                  <a:schemeClr val="tx1"/>
+                </a:solidFill>
+              </a:rPr>
+              <a:t> archivo usado para ignorar el control de ciertos directorios/archivos.</a:t>
+            </a:r>
+            <a:endParaRPr lang="es-ES" dirty="0" smtClean="0">
+              <a:solidFill>
+                <a:srgbClr val="FF0000"/>
+              </a:solidFill>
+            </a:endParaRPr>
+          </a:p>
+          <a:p>
+            <a:r>
+              <a:rPr lang="es-ES" dirty="0" smtClean="0">
+                <a:solidFill>
+                  <a:schemeClr val="tx1"/>
+                </a:solidFill>
+              </a:rPr>
+              <a:t>Página para crear un </a:t>
+            </a:r>
+            <a:r>
+              <a:rPr lang="es-ES" dirty="0" smtClean="0">
+                <a:solidFill>
+                  <a:srgbClr val="FF0000"/>
+                </a:solidFill>
+              </a:rPr>
+              <a:t>.gitgnore </a:t>
+            </a:r>
+            <a:r>
+              <a:rPr lang="es-ES" dirty="0" smtClean="0">
+                <a:solidFill>
+                  <a:schemeClr val="tx1"/>
+                </a:solidFill>
+                <a:hlinkClick r:id="rId2"/>
+              </a:rPr>
+              <a:t>gitignore.io</a:t>
+            </a:r>
+            <a:endParaRPr lang="es-ES" dirty="0" smtClean="0">
+              <a:solidFill>
+                <a:schemeClr val="tx1"/>
+              </a:solidFill>
+            </a:endParaRPr>
+          </a:p>
+          <a:p>
+            <a:r>
+              <a:rPr lang="es-ES" dirty="0" smtClean="0">
+                <a:solidFill>
+                  <a:schemeClr val="tx1"/>
+                </a:solidFill>
+              </a:rPr>
+              <a:t>También se puede usar </a:t>
+            </a:r>
+            <a:r>
+              <a:rPr lang="es-ES" b="1" dirty="0" smtClean="0">
+                <a:solidFill>
+                  <a:schemeClr val="tx1"/>
+                </a:solidFill>
+              </a:rPr>
+              <a:t>SourceTree</a:t>
+            </a:r>
+            <a:r>
+              <a:rPr lang="es-ES" dirty="0" smtClean="0">
+                <a:solidFill>
+                  <a:schemeClr val="tx1"/>
+                </a:solidFill>
+              </a:rPr>
+              <a:t> para crear el gitignore </a:t>
+            </a:r>
+            <a:r>
+              <a:rPr lang="es-ES" i="1" dirty="0" smtClean="0">
+                <a:solidFill>
+                  <a:schemeClr val="tx1"/>
+                </a:solidFill>
+              </a:rPr>
+              <a:t>«sobre la marcha»</a:t>
+            </a:r>
+            <a:endParaRPr lang="es-ES" i="1" dirty="0">
+              <a:solidFill>
+                <a:schemeClr val="tx1"/>
+              </a:solidFill>
+            </a:endParaRPr>
+          </a:p>
+        </p:txBody>
+      </p:sp>
+    </p:spTree>
+    <p:extLst>
+      <p:ext uri="{BB962C8B-B14F-4D97-AF65-F5344CB8AC3E}">
+        <p14:creationId xmlns:p14="http://schemas.microsoft.com/office/powerpoint/2010/main" val="523357316"/>
+      </p:ext>
+    </p:extLst>
+  </p:cSld>
+  <p:clrMapOvr>
+    <a:masterClrMapping/>
+  </p:clrMapOvr>
+</p:sld>
+</file>
+
+<file path=ppt/slides/slide24.xml><?xml version="1.0" encoding="utf-8"?>
 <p:sld xmlns:a="http://schemas.openxmlformats.org/drawingml/2006/main" xmlns:r="http://schemas.openxmlformats.org/officeDocument/2006/relationships" xmlns:p="http://schemas.openxmlformats.org/presentationml/2006/main">
   <p:cSld>
     <p:spTree>
